--- a/docs/Event-Sep-25-2021.pptx
+++ b/docs/Event-Sep-25-2021.pptx
@@ -8680,11 +8680,11 @@
   <p:clrMapOvr>
     <a:masterClrMapping/>
   </p:clrMapOvr>
-  <mc:AlternateContent xmlns:mc="http://schemas.openxmlformats.org/markup-compatibility/2006">
-    <mc:Choice xmlns:p14="http://schemas.microsoft.com/office/powerpoint/2010/main" Requires="p14">
+  <mc:AlternateContent xmlns:mc="http://schemas.openxmlformats.org/markup-compatibility/2006" xmlns:p14="http://schemas.microsoft.com/office/powerpoint/2010/main">
+    <mc:Choice Requires="p14">
       <p:transition p14:dur="10"/>
     </mc:Choice>
-    <mc:Fallback>
+    <mc:Fallback xmlns="">
       <p:transition/>
     </mc:Fallback>
   </mc:AlternateContent>
@@ -12664,7 +12664,7 @@
         <p:spPr bwMode="auto">
           <a:xfrm>
             <a:off x="720969" y="912449"/>
-            <a:ext cx="10754448" cy="5379350"/>
+            <a:ext cx="10754448" cy="5500462"/>
           </a:xfrm>
           <a:prstGeom prst="rect">
             <a:avLst/>
@@ -12817,7 +12817,7 @@
               <a:defRPr/>
             </a:pPr>
             <a:r>
-              <a:rPr lang="en-US" sz="1600" dirty="0">
+              <a:rPr lang="en-US" sz="1600" b="1" dirty="0">
                 <a:solidFill>
                   <a:schemeClr val="bg1"/>
                 </a:solidFill>
@@ -12825,7 +12825,7 @@
                 <a:ea typeface="Segoe UI" panose="020B0502040204020203" pitchFamily="34" charset="0"/>
                 <a:cs typeface="Segoe UI" panose="020B0502040204020203" pitchFamily="34" charset="0"/>
               </a:rPr>
-              <a:t>OOB code:</a:t>
+              <a:t>OOB code</a:t>
             </a:r>
           </a:p>
           <a:p>
@@ -12892,7 +12892,7 @@
               <a:defRPr/>
             </a:pPr>
             <a:r>
-              <a:rPr lang="en-US" sz="1600" dirty="0">
+              <a:rPr lang="en-US" sz="1600" b="1" dirty="0">
                 <a:solidFill>
                   <a:schemeClr val="bg1"/>
                 </a:solidFill>
@@ -12952,6 +12952,52 @@
               </a:rPr>
               <a:t>	form.Body.Name.Disabled = true;</a:t>
             </a:r>
+          </a:p>
+          <a:p>
+            <a:pPr marL="285750" lvl="1" indent="-285750" defTabSz="405282" fontAlgn="base">
+              <a:lnSpc>
+                <a:spcPct val="150000"/>
+              </a:lnSpc>
+              <a:spcBef>
+                <a:spcPct val="0"/>
+              </a:spcBef>
+              <a:spcAft>
+                <a:spcPct val="0"/>
+              </a:spcAft>
+              <a:buFont typeface="Arial" panose="020B0604020202020204" pitchFamily="34" charset="0"/>
+              <a:buChar char="•"/>
+              <a:defRPr/>
+            </a:pPr>
+            <a:r>
+              <a:rPr lang="en-US" sz="1600" dirty="0">
+                <a:solidFill>
+                  <a:schemeClr val="bg1"/>
+                </a:solidFill>
+                <a:latin typeface="Segoe UI" panose="020B0502040204020203" pitchFamily="34" charset="0"/>
+                <a:ea typeface="Segoe UI" panose="020B0502040204020203" pitchFamily="34" charset="0"/>
+                <a:cs typeface="Segoe UI" panose="020B0502040204020203" pitchFamily="34" charset="0"/>
+                <a:hlinkClick r:id="rId3"/>
+              </a:rPr>
+              <a:t>DynamicsCrm.DevKit.Analyzers</a:t>
+            </a:r>
+            <a:r>
+              <a:rPr lang="en-US" sz="1600" dirty="0">
+                <a:solidFill>
+                  <a:schemeClr val="bg1"/>
+                </a:solidFill>
+                <a:latin typeface="Segoe UI" panose="020B0502040204020203" pitchFamily="34" charset="0"/>
+                <a:ea typeface="Segoe UI" panose="020B0502040204020203" pitchFamily="34" charset="0"/>
+                <a:cs typeface="Segoe UI" panose="020B0502040204020203" pitchFamily="34" charset="0"/>
+              </a:rPr>
+              <a:t> show the errors before you build</a:t>
+            </a:r>
+            <a:endParaRPr lang="en-US" sz="1600" dirty="0">
+              <a:solidFill>
+                <a:schemeClr val="bg1"/>
+              </a:solidFill>
+              <a:latin typeface="Segoe UI" panose="020B0502040204020203" pitchFamily="34" charset="0"/>
+              <a:cs typeface="Segoe UI" panose="020B0502040204020203" pitchFamily="34" charset="0"/>
+            </a:endParaRPr>
           </a:p>
           <a:p>
             <a:pPr marL="285750" lvl="1" indent="-285750" defTabSz="405282" fontAlgn="base">
@@ -12985,7 +13031,7 @@
                 </a:solidFill>
                 <a:latin typeface="Segoe UI" panose="020B0502040204020203" pitchFamily="34" charset="0"/>
                 <a:cs typeface="Segoe UI" panose="020B0502040204020203" pitchFamily="34" charset="0"/>
-                <a:hlinkClick r:id="rId3"/>
+                <a:hlinkClick r:id="rId4"/>
               </a:rPr>
               <a:t>WebResources dependencies</a:t>
             </a:r>
@@ -13055,7 +13101,7 @@
                 </a:solidFill>
                 <a:latin typeface="Segoe UI" panose="020B0502040204020203" pitchFamily="34" charset="0"/>
                 <a:cs typeface="Segoe UI" panose="020B0502040204020203" pitchFamily="34" charset="0"/>
-                <a:hlinkClick r:id="rId4"/>
+                <a:hlinkClick r:id="rId5"/>
               </a:rPr>
               <a:t>FakeXrmEasy</a:t>
             </a:r>
@@ -13099,7 +13145,7 @@
                 </a:solidFill>
                 <a:latin typeface="Segoe UI" panose="020B0502040204020203" pitchFamily="34" charset="0"/>
                 <a:cs typeface="Segoe UI" panose="020B0502040204020203" pitchFamily="34" charset="0"/>
-                <a:hlinkClick r:id="rId5"/>
+                <a:hlinkClick r:id="rId6"/>
               </a:rPr>
               <a:t>EasyRepro</a:t>
             </a:r>
@@ -14384,6 +14430,109 @@
                       </p:childTnLst>
                     </p:cTn>
                   </p:par>
+                  <p:par>
+                    <p:cTn id="69" fill="hold">
+                      <p:stCondLst>
+                        <p:cond delay="indefinite"/>
+                      </p:stCondLst>
+                      <p:childTnLst>
+                        <p:par>
+                          <p:cTn id="70" fill="hold">
+                            <p:stCondLst>
+                              <p:cond delay="0"/>
+                            </p:stCondLst>
+                            <p:childTnLst>
+                              <p:par>
+                                <p:cTn id="71" presetID="2" presetClass="entr" presetSubtype="4" fill="hold" grpId="0" nodeType="clickEffect">
+                                  <p:stCondLst>
+                                    <p:cond delay="0"/>
+                                  </p:stCondLst>
+                                  <p:childTnLst>
+                                    <p:set>
+                                      <p:cBhvr>
+                                        <p:cTn id="72" dur="1" fill="hold">
+                                          <p:stCondLst>
+                                            <p:cond delay="0"/>
+                                          </p:stCondLst>
+                                        </p:cTn>
+                                        <p:tgtEl>
+                                          <p:spTgt spid="10">
+                                            <p:txEl>
+                                              <p:pRg st="13" end="13"/>
+                                            </p:txEl>
+                                          </p:spTgt>
+                                        </p:tgtEl>
+                                        <p:attrNameLst>
+                                          <p:attrName>style.visibility</p:attrName>
+                                        </p:attrNameLst>
+                                      </p:cBhvr>
+                                      <p:to>
+                                        <p:strVal val="visible"/>
+                                      </p:to>
+                                    </p:set>
+                                    <p:anim calcmode="lin" valueType="num">
+                                      <p:cBhvr additive="base">
+                                        <p:cTn id="73" dur="500" fill="hold"/>
+                                        <p:tgtEl>
+                                          <p:spTgt spid="10">
+                                            <p:txEl>
+                                              <p:pRg st="13" end="13"/>
+                                            </p:txEl>
+                                          </p:spTgt>
+                                        </p:tgtEl>
+                                        <p:attrNameLst>
+                                          <p:attrName>ppt_x</p:attrName>
+                                        </p:attrNameLst>
+                                      </p:cBhvr>
+                                      <p:tavLst>
+                                        <p:tav tm="0">
+                                          <p:val>
+                                            <p:strVal val="#ppt_x"/>
+                                          </p:val>
+                                        </p:tav>
+                                        <p:tav tm="100000">
+                                          <p:val>
+                                            <p:strVal val="#ppt_x"/>
+                                          </p:val>
+                                        </p:tav>
+                                      </p:tavLst>
+                                    </p:anim>
+                                    <p:anim calcmode="lin" valueType="num">
+                                      <p:cBhvr additive="base">
+                                        <p:cTn id="74" dur="500" fill="hold"/>
+                                        <p:tgtEl>
+                                          <p:spTgt spid="10">
+                                            <p:txEl>
+                                              <p:pRg st="13" end="13"/>
+                                            </p:txEl>
+                                          </p:spTgt>
+                                        </p:tgtEl>
+                                        <p:attrNameLst>
+                                          <p:attrName>ppt_y</p:attrName>
+                                        </p:attrNameLst>
+                                      </p:cBhvr>
+                                      <p:tavLst>
+                                        <p:tav tm="0">
+                                          <p:val>
+                                            <p:strVal val="1+#ppt_h/2"/>
+                                          </p:val>
+                                        </p:tav>
+                                        <p:tav tm="100000">
+                                          <p:val>
+                                            <p:strVal val="#ppt_y"/>
+                                          </p:val>
+                                        </p:tav>
+                                      </p:tavLst>
+                                    </p:anim>
+                                  </p:childTnLst>
+                                </p:cTn>
+                              </p:par>
+                            </p:childTnLst>
+                          </p:cTn>
+                        </p:par>
+                      </p:childTnLst>
+                    </p:cTn>
+                  </p:par>
                 </p:childTnLst>
               </p:cTn>
               <p:prevCondLst>
@@ -15013,8 +15162,8 @@
             <a:chExt cx="1063800" cy="716040"/>
           </a:xfrm>
         </p:grpSpPr>
-        <mc:AlternateContent xmlns:mc="http://schemas.openxmlformats.org/markup-compatibility/2006">
-          <mc:Choice xmlns:p14="http://schemas.microsoft.com/office/powerpoint/2010/main" Requires="p14">
+        <mc:AlternateContent xmlns:mc="http://schemas.openxmlformats.org/markup-compatibility/2006" xmlns:p14="http://schemas.microsoft.com/office/powerpoint/2010/main">
+          <mc:Choice Requires="p14">
             <p:contentPart p14:bwMode="auto" r:id="rId3">
               <p14:nvContentPartPr>
                 <p14:cNvPr id="21" name="Ink 20">
@@ -15033,7 +15182,7 @@
               </p14:xfrm>
             </p:contentPart>
           </mc:Choice>
-          <mc:Fallback>
+          <mc:Fallback xmlns="">
             <p:pic>
               <p:nvPicPr>
                 <p:cNvPr id="21" name="Ink 20">
@@ -15064,8 +15213,8 @@
             </p:pic>
           </mc:Fallback>
         </mc:AlternateContent>
-        <mc:AlternateContent xmlns:mc="http://schemas.openxmlformats.org/markup-compatibility/2006">
-          <mc:Choice xmlns:p14="http://schemas.microsoft.com/office/powerpoint/2010/main" Requires="p14">
+        <mc:AlternateContent xmlns:mc="http://schemas.openxmlformats.org/markup-compatibility/2006" xmlns:p14="http://schemas.microsoft.com/office/powerpoint/2010/main">
+          <mc:Choice Requires="p14">
             <p:contentPart p14:bwMode="auto" r:id="rId5">
               <p14:nvContentPartPr>
                 <p14:cNvPr id="22" name="Ink 21">
@@ -15084,7 +15233,7 @@
               </p14:xfrm>
             </p:contentPart>
           </mc:Choice>
-          <mc:Fallback>
+          <mc:Fallback xmlns="">
             <p:pic>
               <p:nvPicPr>
                 <p:cNvPr id="22" name="Ink 21">
